--- a/compalgo/ps6/7.28.pptx
+++ b/compalgo/ps6/7.28.pptx
@@ -289,7 +289,8 @@
           <a:p>
             <a:fld id="{6242395A-6F37-43B0-8726-1C6BFAFC23C6}" type="datetimeFigureOut">
               <a:rPr lang="en-US" smtClean="0"/>
-              <a:t>3/26/2011</a:t>
+              <a:pPr/>
+              <a:t>3/29/2011</a:t>
             </a:fld>
             <a:endParaRPr lang="en-US"/>
           </a:p>
@@ -331,6 +332,7 @@
           <a:p>
             <a:fld id="{F4571922-F58B-4919-BEB0-748D76C053F4}" type="slidenum">
               <a:rPr lang="en-US" smtClean="0"/>
+              <a:pPr/>
               <a:t>‹#›</a:t>
             </a:fld>
             <a:endParaRPr lang="en-US"/>
@@ -454,7 +456,8 @@
           <a:p>
             <a:fld id="{6242395A-6F37-43B0-8726-1C6BFAFC23C6}" type="datetimeFigureOut">
               <a:rPr lang="en-US" smtClean="0"/>
-              <a:t>3/26/2011</a:t>
+              <a:pPr/>
+              <a:t>3/29/2011</a:t>
             </a:fld>
             <a:endParaRPr lang="en-US"/>
           </a:p>
@@ -496,6 +499,7 @@
           <a:p>
             <a:fld id="{F4571922-F58B-4919-BEB0-748D76C053F4}" type="slidenum">
               <a:rPr lang="en-US" smtClean="0"/>
+              <a:pPr/>
               <a:t>‹#›</a:t>
             </a:fld>
             <a:endParaRPr lang="en-US"/>
@@ -629,7 +633,8 @@
           <a:p>
             <a:fld id="{6242395A-6F37-43B0-8726-1C6BFAFC23C6}" type="datetimeFigureOut">
               <a:rPr lang="en-US" smtClean="0"/>
-              <a:t>3/26/2011</a:t>
+              <a:pPr/>
+              <a:t>3/29/2011</a:t>
             </a:fld>
             <a:endParaRPr lang="en-US"/>
           </a:p>
@@ -671,6 +676,7 @@
           <a:p>
             <a:fld id="{F4571922-F58B-4919-BEB0-748D76C053F4}" type="slidenum">
               <a:rPr lang="en-US" smtClean="0"/>
+              <a:pPr/>
               <a:t>‹#›</a:t>
             </a:fld>
             <a:endParaRPr lang="en-US"/>
@@ -794,7 +800,8 @@
           <a:p>
             <a:fld id="{6242395A-6F37-43B0-8726-1C6BFAFC23C6}" type="datetimeFigureOut">
               <a:rPr lang="en-US" smtClean="0"/>
-              <a:t>3/26/2011</a:t>
+              <a:pPr/>
+              <a:t>3/29/2011</a:t>
             </a:fld>
             <a:endParaRPr lang="en-US"/>
           </a:p>
@@ -836,6 +843,7 @@
           <a:p>
             <a:fld id="{F4571922-F58B-4919-BEB0-748D76C053F4}" type="slidenum">
               <a:rPr lang="en-US" smtClean="0"/>
+              <a:pPr/>
               <a:t>‹#›</a:t>
             </a:fld>
             <a:endParaRPr lang="en-US"/>
@@ -1035,7 +1043,8 @@
           <a:p>
             <a:fld id="{6242395A-6F37-43B0-8726-1C6BFAFC23C6}" type="datetimeFigureOut">
               <a:rPr lang="en-US" smtClean="0"/>
-              <a:t>3/26/2011</a:t>
+              <a:pPr/>
+              <a:t>3/29/2011</a:t>
             </a:fld>
             <a:endParaRPr lang="en-US"/>
           </a:p>
@@ -1077,6 +1086,7 @@
           <a:p>
             <a:fld id="{F4571922-F58B-4919-BEB0-748D76C053F4}" type="slidenum">
               <a:rPr lang="en-US" smtClean="0"/>
+              <a:pPr/>
               <a:t>‹#›</a:t>
             </a:fld>
             <a:endParaRPr lang="en-US"/>
@@ -1318,7 +1328,8 @@
           <a:p>
             <a:fld id="{6242395A-6F37-43B0-8726-1C6BFAFC23C6}" type="datetimeFigureOut">
               <a:rPr lang="en-US" smtClean="0"/>
-              <a:t>3/26/2011</a:t>
+              <a:pPr/>
+              <a:t>3/29/2011</a:t>
             </a:fld>
             <a:endParaRPr lang="en-US"/>
           </a:p>
@@ -1360,6 +1371,7 @@
           <a:p>
             <a:fld id="{F4571922-F58B-4919-BEB0-748D76C053F4}" type="slidenum">
               <a:rPr lang="en-US" smtClean="0"/>
+              <a:pPr/>
               <a:t>‹#›</a:t>
             </a:fld>
             <a:endParaRPr lang="en-US"/>
@@ -1740,7 +1752,8 @@
           <a:p>
             <a:fld id="{6242395A-6F37-43B0-8726-1C6BFAFC23C6}" type="datetimeFigureOut">
               <a:rPr lang="en-US" smtClean="0"/>
-              <a:t>3/26/2011</a:t>
+              <a:pPr/>
+              <a:t>3/29/2011</a:t>
             </a:fld>
             <a:endParaRPr lang="en-US"/>
           </a:p>
@@ -1782,6 +1795,7 @@
           <a:p>
             <a:fld id="{F4571922-F58B-4919-BEB0-748D76C053F4}" type="slidenum">
               <a:rPr lang="en-US" smtClean="0"/>
+              <a:pPr/>
               <a:t>‹#›</a:t>
             </a:fld>
             <a:endParaRPr lang="en-US"/>
@@ -1853,7 +1867,8 @@
           <a:p>
             <a:fld id="{6242395A-6F37-43B0-8726-1C6BFAFC23C6}" type="datetimeFigureOut">
               <a:rPr lang="en-US" smtClean="0"/>
-              <a:t>3/26/2011</a:t>
+              <a:pPr/>
+              <a:t>3/29/2011</a:t>
             </a:fld>
             <a:endParaRPr lang="en-US"/>
           </a:p>
@@ -1895,6 +1910,7 @@
           <a:p>
             <a:fld id="{F4571922-F58B-4919-BEB0-748D76C053F4}" type="slidenum">
               <a:rPr lang="en-US" smtClean="0"/>
+              <a:pPr/>
               <a:t>‹#›</a:t>
             </a:fld>
             <a:endParaRPr lang="en-US"/>
@@ -1943,7 +1959,8 @@
           <a:p>
             <a:fld id="{6242395A-6F37-43B0-8726-1C6BFAFC23C6}" type="datetimeFigureOut">
               <a:rPr lang="en-US" smtClean="0"/>
-              <a:t>3/26/2011</a:t>
+              <a:pPr/>
+              <a:t>3/29/2011</a:t>
             </a:fld>
             <a:endParaRPr lang="en-US"/>
           </a:p>
@@ -1985,6 +2002,7 @@
           <a:p>
             <a:fld id="{F4571922-F58B-4919-BEB0-748D76C053F4}" type="slidenum">
               <a:rPr lang="en-US" smtClean="0"/>
+              <a:pPr/>
               <a:t>‹#›</a:t>
             </a:fld>
             <a:endParaRPr lang="en-US"/>
@@ -2215,7 +2233,8 @@
           <a:p>
             <a:fld id="{6242395A-6F37-43B0-8726-1C6BFAFC23C6}" type="datetimeFigureOut">
               <a:rPr lang="en-US" smtClean="0"/>
-              <a:t>3/26/2011</a:t>
+              <a:pPr/>
+              <a:t>3/29/2011</a:t>
             </a:fld>
             <a:endParaRPr lang="en-US"/>
           </a:p>
@@ -2257,6 +2276,7 @@
           <a:p>
             <a:fld id="{F4571922-F58B-4919-BEB0-748D76C053F4}" type="slidenum">
               <a:rPr lang="en-US" smtClean="0"/>
+              <a:pPr/>
               <a:t>‹#›</a:t>
             </a:fld>
             <a:endParaRPr lang="en-US"/>
@@ -2463,7 +2483,8 @@
           <a:p>
             <a:fld id="{6242395A-6F37-43B0-8726-1C6BFAFC23C6}" type="datetimeFigureOut">
               <a:rPr lang="en-US" smtClean="0"/>
-              <a:t>3/26/2011</a:t>
+              <a:pPr/>
+              <a:t>3/29/2011</a:t>
             </a:fld>
             <a:endParaRPr lang="en-US"/>
           </a:p>
@@ -2505,6 +2526,7 @@
           <a:p>
             <a:fld id="{F4571922-F58B-4919-BEB0-748D76C053F4}" type="slidenum">
               <a:rPr lang="en-US" smtClean="0"/>
+              <a:pPr/>
               <a:t>‹#›</a:t>
             </a:fld>
             <a:endParaRPr lang="en-US"/>
@@ -2671,7 +2693,8 @@
           <a:p>
             <a:fld id="{6242395A-6F37-43B0-8726-1C6BFAFC23C6}" type="datetimeFigureOut">
               <a:rPr lang="en-US" smtClean="0"/>
-              <a:t>3/26/2011</a:t>
+              <a:pPr/>
+              <a:t>3/29/2011</a:t>
             </a:fld>
             <a:endParaRPr lang="en-US"/>
           </a:p>
@@ -2749,6 +2772,7 @@
           <a:p>
             <a:fld id="{F4571922-F58B-4919-BEB0-748D76C053F4}" type="slidenum">
               <a:rPr lang="en-US" smtClean="0"/>
+              <a:pPr/>
               <a:t>‹#›</a:t>
             </a:fld>
             <a:endParaRPr lang="en-US"/>

--- a/compalgo/ps6/7.28.pptx
+++ b/compalgo/ps6/7.28.pptx
@@ -9,7 +9,7 @@
     <p:sldId id="257" r:id="rId3"/>
   </p:sldIdLst>
   <p:sldSz cx="6858000" cy="9144000" type="screen4x3"/>
-  <p:notesSz cx="6858000" cy="9144000"/>
+  <p:notesSz cx="6985000" cy="9283700"/>
   <p:defaultTextStyle>
     <a:defPPr>
       <a:defRPr lang="en-US"/>

--- a/compalgo/ps6/7.28.pptx
+++ b/compalgo/ps6/7.28.pptx
@@ -290,7 +290,7 @@
             <a:fld id="{6242395A-6F37-43B0-8726-1C6BFAFC23C6}" type="datetimeFigureOut">
               <a:rPr lang="en-US" smtClean="0"/>
               <a:pPr/>
-              <a:t>3/29/2011</a:t>
+              <a:t>4/9/2011</a:t>
             </a:fld>
             <a:endParaRPr lang="en-US"/>
           </a:p>
@@ -457,7 +457,7 @@
             <a:fld id="{6242395A-6F37-43B0-8726-1C6BFAFC23C6}" type="datetimeFigureOut">
               <a:rPr lang="en-US" smtClean="0"/>
               <a:pPr/>
-              <a:t>3/29/2011</a:t>
+              <a:t>4/9/2011</a:t>
             </a:fld>
             <a:endParaRPr lang="en-US"/>
           </a:p>
@@ -634,7 +634,7 @@
             <a:fld id="{6242395A-6F37-43B0-8726-1C6BFAFC23C6}" type="datetimeFigureOut">
               <a:rPr lang="en-US" smtClean="0"/>
               <a:pPr/>
-              <a:t>3/29/2011</a:t>
+              <a:t>4/9/2011</a:t>
             </a:fld>
             <a:endParaRPr lang="en-US"/>
           </a:p>
@@ -801,7 +801,7 @@
             <a:fld id="{6242395A-6F37-43B0-8726-1C6BFAFC23C6}" type="datetimeFigureOut">
               <a:rPr lang="en-US" smtClean="0"/>
               <a:pPr/>
-              <a:t>3/29/2011</a:t>
+              <a:t>4/9/2011</a:t>
             </a:fld>
             <a:endParaRPr lang="en-US"/>
           </a:p>
@@ -1044,7 +1044,7 @@
             <a:fld id="{6242395A-6F37-43B0-8726-1C6BFAFC23C6}" type="datetimeFigureOut">
               <a:rPr lang="en-US" smtClean="0"/>
               <a:pPr/>
-              <a:t>3/29/2011</a:t>
+              <a:t>4/9/2011</a:t>
             </a:fld>
             <a:endParaRPr lang="en-US"/>
           </a:p>
@@ -1329,7 +1329,7 @@
             <a:fld id="{6242395A-6F37-43B0-8726-1C6BFAFC23C6}" type="datetimeFigureOut">
               <a:rPr lang="en-US" smtClean="0"/>
               <a:pPr/>
-              <a:t>3/29/2011</a:t>
+              <a:t>4/9/2011</a:t>
             </a:fld>
             <a:endParaRPr lang="en-US"/>
           </a:p>
@@ -1753,7 +1753,7 @@
             <a:fld id="{6242395A-6F37-43B0-8726-1C6BFAFC23C6}" type="datetimeFigureOut">
               <a:rPr lang="en-US" smtClean="0"/>
               <a:pPr/>
-              <a:t>3/29/2011</a:t>
+              <a:t>4/9/2011</a:t>
             </a:fld>
             <a:endParaRPr lang="en-US"/>
           </a:p>
@@ -1868,7 +1868,7 @@
             <a:fld id="{6242395A-6F37-43B0-8726-1C6BFAFC23C6}" type="datetimeFigureOut">
               <a:rPr lang="en-US" smtClean="0"/>
               <a:pPr/>
-              <a:t>3/29/2011</a:t>
+              <a:t>4/9/2011</a:t>
             </a:fld>
             <a:endParaRPr lang="en-US"/>
           </a:p>
@@ -1960,7 +1960,7 @@
             <a:fld id="{6242395A-6F37-43B0-8726-1C6BFAFC23C6}" type="datetimeFigureOut">
               <a:rPr lang="en-US" smtClean="0"/>
               <a:pPr/>
-              <a:t>3/29/2011</a:t>
+              <a:t>4/9/2011</a:t>
             </a:fld>
             <a:endParaRPr lang="en-US"/>
           </a:p>
@@ -2234,7 +2234,7 @@
             <a:fld id="{6242395A-6F37-43B0-8726-1C6BFAFC23C6}" type="datetimeFigureOut">
               <a:rPr lang="en-US" smtClean="0"/>
               <a:pPr/>
-              <a:t>3/29/2011</a:t>
+              <a:t>4/9/2011</a:t>
             </a:fld>
             <a:endParaRPr lang="en-US"/>
           </a:p>
@@ -2484,7 +2484,7 @@
             <a:fld id="{6242395A-6F37-43B0-8726-1C6BFAFC23C6}" type="datetimeFigureOut">
               <a:rPr lang="en-US" smtClean="0"/>
               <a:pPr/>
-              <a:t>3/29/2011</a:t>
+              <a:t>4/9/2011</a:t>
             </a:fld>
             <a:endParaRPr lang="en-US"/>
           </a:p>
@@ -2694,7 +2694,7 @@
             <a:fld id="{6242395A-6F37-43B0-8726-1C6BFAFC23C6}" type="datetimeFigureOut">
               <a:rPr lang="en-US" smtClean="0"/>
               <a:pPr/>
-              <a:t>3/29/2011</a:t>
+              <a:t>4/9/2011</a:t>
             </a:fld>
             <a:endParaRPr lang="en-US"/>
           </a:p>
@@ -4543,7 +4543,7 @@
         <p:spPr>
           <a:xfrm>
             <a:off x="4879914" y="1905000"/>
-            <a:ext cx="479618" cy="646331"/>
+            <a:ext cx="300082" cy="646331"/>
           </a:xfrm>
           <a:prstGeom prst="rect">
             <a:avLst/>
@@ -4561,8 +4561,12 @@
                 <a:latin typeface="Times New Roman" pitchFamily="18" charset="0"/>
                 <a:cs typeface="Times New Roman" pitchFamily="18" charset="0"/>
               </a:rPr>
-              <a:t>+∞</a:t>
-            </a:r>
+              <a:t>1</a:t>
+            </a:r>
+            <a:endParaRPr lang="en-US" smtClean="0">
+              <a:latin typeface="Times New Roman" pitchFamily="18" charset="0"/>
+              <a:cs typeface="Times New Roman" pitchFamily="18" charset="0"/>
+            </a:endParaRPr>
           </a:p>
           <a:p>
             <a:r>
@@ -4584,7 +4588,7 @@
         <p:spPr>
           <a:xfrm>
             <a:off x="4800600" y="2477869"/>
-            <a:ext cx="479618" cy="646331"/>
+            <a:ext cx="300082" cy="646331"/>
           </a:xfrm>
           <a:prstGeom prst="rect">
             <a:avLst/>
@@ -4602,8 +4606,12 @@
                 <a:latin typeface="Times New Roman" pitchFamily="18" charset="0"/>
                 <a:cs typeface="Times New Roman" pitchFamily="18" charset="0"/>
               </a:rPr>
-              <a:t>+∞</a:t>
-            </a:r>
+              <a:t>1</a:t>
+            </a:r>
+            <a:endParaRPr lang="en-US" smtClean="0">
+              <a:latin typeface="Times New Roman" pitchFamily="18" charset="0"/>
+              <a:cs typeface="Times New Roman" pitchFamily="18" charset="0"/>
+            </a:endParaRPr>
           </a:p>
           <a:p>
             <a:r>
@@ -4625,7 +4633,7 @@
         <p:spPr>
           <a:xfrm>
             <a:off x="4876800" y="3087469"/>
-            <a:ext cx="479618" cy="646331"/>
+            <a:ext cx="300082" cy="646331"/>
           </a:xfrm>
           <a:prstGeom prst="rect">
             <a:avLst/>
@@ -4643,8 +4651,12 @@
                 <a:latin typeface="Times New Roman" pitchFamily="18" charset="0"/>
                 <a:cs typeface="Times New Roman" pitchFamily="18" charset="0"/>
               </a:rPr>
-              <a:t>+∞</a:t>
-            </a:r>
+              <a:t>1</a:t>
+            </a:r>
+            <a:endParaRPr lang="en-US" smtClean="0">
+              <a:latin typeface="Times New Roman" pitchFamily="18" charset="0"/>
+              <a:cs typeface="Times New Roman" pitchFamily="18" charset="0"/>
+            </a:endParaRPr>
           </a:p>
           <a:p>
             <a:r>
@@ -4666,7 +4678,7 @@
         <p:spPr>
           <a:xfrm>
             <a:off x="4800600" y="3697069"/>
-            <a:ext cx="479618" cy="646331"/>
+            <a:ext cx="300082" cy="646331"/>
           </a:xfrm>
           <a:prstGeom prst="rect">
             <a:avLst/>
@@ -4684,8 +4696,12 @@
                 <a:latin typeface="Times New Roman" pitchFamily="18" charset="0"/>
                 <a:cs typeface="Times New Roman" pitchFamily="18" charset="0"/>
               </a:rPr>
-              <a:t>+∞</a:t>
-            </a:r>
+              <a:t>1</a:t>
+            </a:r>
+            <a:endParaRPr lang="en-US" smtClean="0">
+              <a:latin typeface="Times New Roman" pitchFamily="18" charset="0"/>
+              <a:cs typeface="Times New Roman" pitchFamily="18" charset="0"/>
+            </a:endParaRPr>
           </a:p>
           <a:p>
             <a:r>
@@ -4706,8 +4722,8 @@
         </p:nvSpPr>
         <p:spPr>
           <a:xfrm>
-            <a:off x="4724400" y="4267200"/>
-            <a:ext cx="479618" cy="923330"/>
+            <a:off x="4724400" y="4334470"/>
+            <a:ext cx="300082" cy="923330"/>
           </a:xfrm>
           <a:prstGeom prst="rect">
             <a:avLst/>
@@ -4725,8 +4741,12 @@
                 <a:latin typeface="Times New Roman" pitchFamily="18" charset="0"/>
                 <a:cs typeface="Times New Roman" pitchFamily="18" charset="0"/>
               </a:rPr>
-              <a:t>+∞</a:t>
-            </a:r>
+              <a:t>1</a:t>
+            </a:r>
+            <a:endParaRPr lang="en-US" smtClean="0">
+              <a:latin typeface="Times New Roman" pitchFamily="18" charset="0"/>
+              <a:cs typeface="Times New Roman" pitchFamily="18" charset="0"/>
+            </a:endParaRPr>
           </a:p>
           <a:p>
             <a:endParaRPr lang="en-US" smtClean="0">
@@ -6338,7 +6358,7 @@
         <p:spPr>
           <a:xfrm>
             <a:off x="3863782" y="1411069"/>
-            <a:ext cx="479618" cy="646331"/>
+            <a:ext cx="300082" cy="646331"/>
           </a:xfrm>
           <a:prstGeom prst="rect">
             <a:avLst/>
@@ -6356,8 +6376,12 @@
                 <a:latin typeface="Times New Roman" pitchFamily="18" charset="0"/>
                 <a:cs typeface="Times New Roman" pitchFamily="18" charset="0"/>
               </a:rPr>
-              <a:t>+∞</a:t>
-            </a:r>
+              <a:t>1</a:t>
+            </a:r>
+            <a:endParaRPr lang="en-US" smtClean="0">
+              <a:latin typeface="Times New Roman" pitchFamily="18" charset="0"/>
+              <a:cs typeface="Times New Roman" pitchFamily="18" charset="0"/>
+            </a:endParaRPr>
           </a:p>
           <a:p>
             <a:r>
@@ -6379,7 +6403,7 @@
         <p:spPr>
           <a:xfrm>
             <a:off x="3962400" y="2401669"/>
-            <a:ext cx="479618" cy="646331"/>
+            <a:ext cx="300082" cy="646331"/>
           </a:xfrm>
           <a:prstGeom prst="rect">
             <a:avLst/>
@@ -6397,8 +6421,12 @@
                 <a:latin typeface="Times New Roman" pitchFamily="18" charset="0"/>
                 <a:cs typeface="Times New Roman" pitchFamily="18" charset="0"/>
               </a:rPr>
-              <a:t>+∞</a:t>
-            </a:r>
+              <a:t>1</a:t>
+            </a:r>
+            <a:endParaRPr lang="en-US" smtClean="0">
+              <a:latin typeface="Times New Roman" pitchFamily="18" charset="0"/>
+              <a:cs typeface="Times New Roman" pitchFamily="18" charset="0"/>
+            </a:endParaRPr>
           </a:p>
           <a:p>
             <a:r>
@@ -6420,7 +6448,7 @@
         <p:spPr>
           <a:xfrm>
             <a:off x="3810000" y="3163669"/>
-            <a:ext cx="479618" cy="646331"/>
+            <a:ext cx="300082" cy="646331"/>
           </a:xfrm>
           <a:prstGeom prst="rect">
             <a:avLst/>
@@ -6438,8 +6466,12 @@
                 <a:latin typeface="Times New Roman" pitchFamily="18" charset="0"/>
                 <a:cs typeface="Times New Roman" pitchFamily="18" charset="0"/>
               </a:rPr>
-              <a:t>+∞</a:t>
-            </a:r>
+              <a:t>1</a:t>
+            </a:r>
+            <a:endParaRPr lang="en-US" smtClean="0">
+              <a:latin typeface="Times New Roman" pitchFamily="18" charset="0"/>
+              <a:cs typeface="Times New Roman" pitchFamily="18" charset="0"/>
+            </a:endParaRPr>
           </a:p>
           <a:p>
             <a:r>
@@ -6460,8 +6492,8 @@
         </p:nvSpPr>
         <p:spPr>
           <a:xfrm>
-            <a:off x="3939982" y="3849469"/>
-            <a:ext cx="479618" cy="646331"/>
+            <a:off x="3939982" y="3925669"/>
+            <a:ext cx="300082" cy="646331"/>
           </a:xfrm>
           <a:prstGeom prst="rect">
             <a:avLst/>
@@ -6479,8 +6511,12 @@
                 <a:latin typeface="Times New Roman" pitchFamily="18" charset="0"/>
                 <a:cs typeface="Times New Roman" pitchFamily="18" charset="0"/>
               </a:rPr>
-              <a:t>+∞</a:t>
-            </a:r>
+              <a:t>1</a:t>
+            </a:r>
+            <a:endParaRPr lang="en-US" smtClean="0">
+              <a:latin typeface="Times New Roman" pitchFamily="18" charset="0"/>
+              <a:cs typeface="Times New Roman" pitchFamily="18" charset="0"/>
+            </a:endParaRPr>
           </a:p>
           <a:p>
             <a:r>
@@ -6502,7 +6538,7 @@
         <p:spPr>
           <a:xfrm>
             <a:off x="3962400" y="4953000"/>
-            <a:ext cx="479618" cy="646331"/>
+            <a:ext cx="300082" cy="646331"/>
           </a:xfrm>
           <a:prstGeom prst="rect">
             <a:avLst/>
@@ -6520,8 +6556,12 @@
                 <a:latin typeface="Times New Roman" pitchFamily="18" charset="0"/>
                 <a:cs typeface="Times New Roman" pitchFamily="18" charset="0"/>
               </a:rPr>
-              <a:t>+∞</a:t>
-            </a:r>
+              <a:t>1</a:t>
+            </a:r>
+            <a:endParaRPr lang="en-US" smtClean="0">
+              <a:latin typeface="Times New Roman" pitchFamily="18" charset="0"/>
+              <a:cs typeface="Times New Roman" pitchFamily="18" charset="0"/>
+            </a:endParaRPr>
           </a:p>
           <a:p>
             <a:r>
